--- a/0920進捗.pptx
+++ b/0920進捗.pptx
@@ -5,12 +5,13 @@
     <p:sldMasterId id="2147483648" r:id="rId1"/>
   </p:sldMasterIdLst>
   <p:notesMasterIdLst>
-    <p:notesMasterId r:id="rId5"/>
+    <p:notesMasterId r:id="rId6"/>
   </p:notesMasterIdLst>
   <p:sldIdLst>
     <p:sldId id="256" r:id="rId2"/>
-    <p:sldId id="257" r:id="rId3"/>
-    <p:sldId id="258" r:id="rId4"/>
+    <p:sldId id="259" r:id="rId3"/>
+    <p:sldId id="257" r:id="rId4"/>
+    <p:sldId id="258" r:id="rId5"/>
   </p:sldIdLst>
   <p:sldSz cx="9144000" cy="6858000" type="screen4x3"/>
   <p:notesSz cx="6858000" cy="9144000"/>
@@ -115,6 +116,7 @@
         <p14:section name="既定のセクション" id="{F16C0970-AE49-C14F-B39C-514FC6A8B575}">
           <p14:sldIdLst>
             <p14:sldId id="256"/>
+            <p14:sldId id="259"/>
             <p14:sldId id="257"/>
             <p14:sldId id="258"/>
           </p14:sldIdLst>
@@ -221,7 +223,7 @@
           <a:p>
             <a:fld id="{803DD6A6-FCD2-4EE7-8E6E-99C1A1F687BC}" type="datetimeFigureOut">
               <a:rPr kumimoji="1" lang="ja-JP" altLang="en-US" smtClean="0"/>
-              <a:t>2018/9/20</a:t>
+              <a:t>2018/9/21</a:t>
             </a:fld>
             <a:endParaRPr kumimoji="1" lang="ja-JP" altLang="en-US"/>
           </a:p>
@@ -613,7 +615,7 @@
           <a:p>
             <a:fld id="{11C3B0B9-599D-43DE-835D-2976AC58AA40}" type="slidenum">
               <a:rPr kumimoji="1" lang="ja-JP" altLang="en-US" smtClean="0"/>
-              <a:t>3</a:t>
+              <a:t>4</a:t>
             </a:fld>
             <a:endParaRPr kumimoji="1" lang="ja-JP" altLang="en-US"/>
           </a:p>
@@ -1018,7 +1020,7 @@
           <a:p>
             <a:fld id="{0C2D592E-2292-4305-9592-EC97400E21B7}" type="datetime1">
               <a:rPr kumimoji="1" lang="ja-JP" altLang="en-US" smtClean="0"/>
-              <a:t>2018/9/20</a:t>
+              <a:t>2018/9/21</a:t>
             </a:fld>
             <a:endParaRPr kumimoji="1" lang="ja-JP" altLang="en-US"/>
           </a:p>
@@ -1228,7 +1230,7 @@
           <a:p>
             <a:fld id="{E508CA83-B01D-4BAB-B4E2-CF9244F45EF5}" type="datetime1">
               <a:rPr kumimoji="1" lang="ja-JP" altLang="en-US" smtClean="0"/>
-              <a:t>2018/9/20</a:t>
+              <a:t>2018/9/21</a:t>
             </a:fld>
             <a:endParaRPr kumimoji="1" lang="ja-JP" altLang="en-US"/>
           </a:p>
@@ -1433,7 +1435,7 @@
           <a:p>
             <a:fld id="{01E93D1F-BE2F-43FF-9803-5758F1FF87BE}" type="datetime1">
               <a:rPr kumimoji="1" lang="ja-JP" altLang="en-US" smtClean="0"/>
-              <a:t>2018/9/20</a:t>
+              <a:t>2018/9/21</a:t>
             </a:fld>
             <a:endParaRPr kumimoji="1" lang="ja-JP" altLang="en-US"/>
           </a:p>
@@ -1750,7 +1752,7 @@
           <a:p>
             <a:fld id="{EFA39CE0-7535-4E0E-AFE3-F465E7C7C0FF}" type="datetime1">
               <a:rPr kumimoji="1" lang="ja-JP" altLang="en-US" smtClean="0"/>
-              <a:t>2018/9/20</a:t>
+              <a:t>2018/9/21</a:t>
             </a:fld>
             <a:endParaRPr kumimoji="1" lang="ja-JP" altLang="en-US"/>
           </a:p>
@@ -2099,7 +2101,7 @@
           <a:p>
             <a:fld id="{D45C9DD0-C75C-4A45-9030-13826D815CA0}" type="datetime1">
               <a:rPr kumimoji="1" lang="ja-JP" altLang="en-US" smtClean="0"/>
-              <a:t>2018/9/20</a:t>
+              <a:t>2018/9/21</a:t>
             </a:fld>
             <a:endParaRPr kumimoji="1" lang="ja-JP" altLang="en-US"/>
           </a:p>
@@ -2582,7 +2584,7 @@
           <a:p>
             <a:fld id="{CCA1C7AD-18BB-4F25-AC23-F39BF79F4D77}" type="datetime1">
               <a:rPr kumimoji="1" lang="ja-JP" altLang="en-US" smtClean="0"/>
-              <a:t>2018/9/20</a:t>
+              <a:t>2018/9/21</a:t>
             </a:fld>
             <a:endParaRPr kumimoji="1" lang="ja-JP" altLang="en-US"/>
           </a:p>
@@ -2699,7 +2701,7 @@
           <a:p>
             <a:fld id="{AF8EE08C-AC9E-42E7-9719-2A54CCDFBD7D}" type="datetime1">
               <a:rPr kumimoji="1" lang="ja-JP" altLang="en-US" smtClean="0"/>
-              <a:t>2018/9/20</a:t>
+              <a:t>2018/9/21</a:t>
             </a:fld>
             <a:endParaRPr kumimoji="1" lang="ja-JP" altLang="en-US"/>
           </a:p>
@@ -2794,7 +2796,7 @@
           <a:p>
             <a:fld id="{B8073CA2-C66C-41D1-B499-CAA6DB7D7D3A}" type="datetime1">
               <a:rPr kumimoji="1" lang="ja-JP" altLang="en-US" smtClean="0"/>
-              <a:t>2018/9/20</a:t>
+              <a:t>2018/9/21</a:t>
             </a:fld>
             <a:endParaRPr kumimoji="1" lang="ja-JP" altLang="en-US"/>
           </a:p>
@@ -3101,7 +3103,7 @@
           <a:p>
             <a:fld id="{DFBD8235-0C14-4155-9991-B1E146E33912}" type="datetime1">
               <a:rPr kumimoji="1" lang="ja-JP" altLang="en-US" smtClean="0"/>
-              <a:t>2018/9/20</a:t>
+              <a:t>2018/9/21</a:t>
             </a:fld>
             <a:endParaRPr kumimoji="1" lang="ja-JP" altLang="en-US"/>
           </a:p>
@@ -3356,7 +3358,7 @@
           <a:p>
             <a:fld id="{2A91B658-7182-4FD9-A82F-002C38D9BA43}" type="datetime1">
               <a:rPr kumimoji="1" lang="ja-JP" altLang="en-US" smtClean="0"/>
-              <a:t>2018/9/20</a:t>
+              <a:t>2018/9/21</a:t>
             </a:fld>
             <a:endParaRPr kumimoji="1" lang="ja-JP" altLang="en-US"/>
           </a:p>
@@ -3599,7 +3601,7 @@
           <a:p>
             <a:fld id="{5EABF07F-C525-453C-82CD-1DECD51CCA53}" type="datetime1">
               <a:rPr kumimoji="1" lang="ja-JP" altLang="en-US" smtClean="0"/>
-              <a:t>2018/9/20</a:t>
+              <a:t>2018/9/21</a:t>
             </a:fld>
             <a:endParaRPr kumimoji="1" lang="ja-JP" altLang="en-US"/>
           </a:p>
@@ -4067,7 +4069,7 @@
           <p:cNvPr id="2" name="タイトル 1">
             <a:extLst>
               <a:ext uri="{FF2B5EF4-FFF2-40B4-BE49-F238E27FC236}">
-                <a16:creationId xmlns:a16="http://schemas.microsoft.com/office/drawing/2014/main" id="{D7FAFFD0-F339-FF4B-AE47-9E2A23889415}"/>
+                <a16:creationId xmlns:a16="http://schemas.microsoft.com/office/drawing/2014/main" id="{25D8077F-EA2B-DF41-AE25-7F2DEA5803DB}"/>
               </a:ext>
             </a:extLst>
           </p:cNvPr>
@@ -4085,7 +4087,7 @@
           <a:p>
             <a:r>
               <a:rPr kumimoji="1" lang="ja-JP" altLang="en-US"/>
-              <a:t>やること</a:t>
+              <a:t>発表の流れ</a:t>
             </a:r>
           </a:p>
         </p:txBody>
@@ -4095,7 +4097,7 @@
           <p:cNvPr id="3" name="コンテンツ プレースホルダー 2">
             <a:extLst>
               <a:ext uri="{FF2B5EF4-FFF2-40B4-BE49-F238E27FC236}">
-                <a16:creationId xmlns:a16="http://schemas.microsoft.com/office/drawing/2014/main" id="{7A16E817-6658-B245-9664-B68665EBCB6C}"/>
+                <a16:creationId xmlns:a16="http://schemas.microsoft.com/office/drawing/2014/main" id="{3BEA0572-412C-5C4E-A9AD-0906DB335050}"/>
               </a:ext>
             </a:extLst>
           </p:cNvPr>
@@ -4111,39 +4113,25 @@
           <a:bodyPr/>
           <a:lstStyle/>
           <a:p>
-            <a:pPr marL="0" indent="0">
-              <a:buNone/>
+            <a:pPr marL="514350" indent="-514350">
+              <a:buAutoNum type="arabicPeriod"/>
+            </a:pPr>
+            <a:r>
+              <a:rPr lang="ja-JP" altLang="en-US"/>
+              <a:t>課題</a:t>
+            </a:r>
+            <a:endParaRPr lang="en-US" altLang="ja-JP" dirty="0"/>
+          </a:p>
+          <a:p>
+            <a:pPr marL="514350" indent="-514350">
+              <a:buAutoNum type="arabicPeriod"/>
             </a:pPr>
             <a:endParaRPr lang="en-US" altLang="ja-JP" dirty="0"/>
           </a:p>
           <a:p>
-            <a:r>
-              <a:rPr kumimoji="1" lang="ja-JP" altLang="en-US"/>
-              <a:t>ネットワークシミュレータの中身</a:t>
-            </a:r>
-            <a:endParaRPr lang="en-US" altLang="ja-JP" dirty="0"/>
-          </a:p>
-          <a:p>
-            <a:pPr marL="457200" lvl="1" indent="0">
-              <a:buNone/>
+            <a:pPr marL="514350" indent="-514350">
+              <a:buAutoNum type="arabicPeriod"/>
             </a:pPr>
-            <a:endParaRPr lang="en-US" altLang="ja-JP" dirty="0"/>
-          </a:p>
-          <a:p>
-            <a:pPr marL="457200" lvl="1" indent="0">
-              <a:buNone/>
-            </a:pPr>
-            <a:endParaRPr lang="en-US" altLang="ja-JP" dirty="0"/>
-          </a:p>
-          <a:p>
-            <a:r>
-              <a:rPr lang="en-US" altLang="ja-JP" dirty="0"/>
-              <a:t>LTI</a:t>
-            </a:r>
-            <a:r>
-              <a:rPr lang="ja-JP" altLang="en-US"/>
-              <a:t>に準拠する部分</a:t>
-            </a:r>
             <a:endParaRPr lang="en-US" altLang="ja-JP" dirty="0"/>
           </a:p>
         </p:txBody>
@@ -4153,7 +4141,7 @@
           <p:cNvPr id="4" name="スライド番号プレースホルダー 3">
             <a:extLst>
               <a:ext uri="{FF2B5EF4-FFF2-40B4-BE49-F238E27FC236}">
-                <a16:creationId xmlns:a16="http://schemas.microsoft.com/office/drawing/2014/main" id="{8D1BCB68-2D5E-7245-B2DE-27C7F9E40697}"/>
+                <a16:creationId xmlns:a16="http://schemas.microsoft.com/office/drawing/2014/main" id="{C61CA0C6-2B31-F54E-B347-538521F8C6D4}"/>
               </a:ext>
             </a:extLst>
           </p:cNvPr>
@@ -4179,42 +4167,10 @@
           </a:p>
         </p:txBody>
       </p:sp>
-      <p:sp>
-        <p:nvSpPr>
-          <p:cNvPr id="5" name="テキスト ボックス 4">
-            <a:extLst>
-              <a:ext uri="{FF2B5EF4-FFF2-40B4-BE49-F238E27FC236}">
-                <a16:creationId xmlns:a16="http://schemas.microsoft.com/office/drawing/2014/main" id="{7D8462C0-2813-BE46-A22C-1920F4D89C39}"/>
-              </a:ext>
-            </a:extLst>
-          </p:cNvPr>
-          <p:cNvSpPr txBox="1"/>
-          <p:nvPr/>
-        </p:nvSpPr>
-        <p:spPr>
-          <a:xfrm>
-            <a:off x="1643063" y="4257675"/>
-            <a:ext cx="184731" cy="369332"/>
-          </a:xfrm>
-          <a:prstGeom prst="rect">
-            <a:avLst/>
-          </a:prstGeom>
-          <a:noFill/>
-        </p:spPr>
-        <p:txBody>
-          <a:bodyPr wrap="none" rtlCol="0">
-            <a:spAutoFit/>
-          </a:bodyPr>
-          <a:lstStyle/>
-          <a:p>
-            <a:endParaRPr kumimoji="1" lang="ja-JP" altLang="en-US"/>
-          </a:p>
-        </p:txBody>
-      </p:sp>
     </p:spTree>
     <p:extLst>
       <p:ext uri="{BB962C8B-B14F-4D97-AF65-F5344CB8AC3E}">
-        <p14:creationId xmlns:p14="http://schemas.microsoft.com/office/powerpoint/2010/main" val="554833021"/>
+        <p14:creationId xmlns:p14="http://schemas.microsoft.com/office/powerpoint/2010/main" val="909017920"/>
       </p:ext>
     </p:extLst>
   </p:cSld>
@@ -4246,6 +4202,236 @@
           <p:cNvPr id="2" name="タイトル 1">
             <a:extLst>
               <a:ext uri="{FF2B5EF4-FFF2-40B4-BE49-F238E27FC236}">
+                <a16:creationId xmlns:a16="http://schemas.microsoft.com/office/drawing/2014/main" id="{D7FAFFD0-F339-FF4B-AE47-9E2A23889415}"/>
+              </a:ext>
+            </a:extLst>
+          </p:cNvPr>
+          <p:cNvSpPr>
+            <a:spLocks noGrp="1"/>
+          </p:cNvSpPr>
+          <p:nvPr>
+            <p:ph type="title"/>
+          </p:nvPr>
+        </p:nvSpPr>
+        <p:spPr/>
+        <p:txBody>
+          <a:bodyPr/>
+          <a:lstStyle/>
+          <a:p>
+            <a:r>
+              <a:rPr lang="ja-JP" altLang="en-US"/>
+              <a:t>課題</a:t>
+            </a:r>
+            <a:endParaRPr kumimoji="1" lang="ja-JP" altLang="en-US"/>
+          </a:p>
+        </p:txBody>
+      </p:sp>
+      <p:sp>
+        <p:nvSpPr>
+          <p:cNvPr id="3" name="コンテンツ プレースホルダー 2">
+            <a:extLst>
+              <a:ext uri="{FF2B5EF4-FFF2-40B4-BE49-F238E27FC236}">
+                <a16:creationId xmlns:a16="http://schemas.microsoft.com/office/drawing/2014/main" id="{7A16E817-6658-B245-9664-B68665EBCB6C}"/>
+              </a:ext>
+            </a:extLst>
+          </p:cNvPr>
+          <p:cNvSpPr>
+            <a:spLocks noGrp="1"/>
+          </p:cNvSpPr>
+          <p:nvPr>
+            <p:ph idx="1"/>
+          </p:nvPr>
+        </p:nvSpPr>
+        <p:spPr/>
+        <p:txBody>
+          <a:bodyPr>
+            <a:normAutofit lnSpcReduction="10000"/>
+          </a:bodyPr>
+          <a:lstStyle/>
+          <a:p>
+            <a:pPr marL="0" indent="0">
+              <a:buNone/>
+            </a:pPr>
+            <a:endParaRPr lang="en-US" altLang="ja-JP" dirty="0"/>
+          </a:p>
+          <a:p>
+            <a:r>
+              <a:rPr kumimoji="1" lang="ja-JP" altLang="en-US"/>
+              <a:t>ネットワークシミュレータの中身</a:t>
+            </a:r>
+            <a:endParaRPr kumimoji="1" lang="en-US" altLang="ja-JP" dirty="0"/>
+          </a:p>
+          <a:p>
+            <a:pPr lvl="1"/>
+            <a:r>
+              <a:rPr lang="en-US" altLang="ja-JP" dirty="0"/>
+              <a:t>Ruby on Rails</a:t>
+            </a:r>
+            <a:r>
+              <a:rPr lang="ja-JP" altLang="en-US"/>
+              <a:t>と</a:t>
+            </a:r>
+            <a:r>
+              <a:rPr lang="en-US" altLang="ja-JP" dirty="0" err="1"/>
+              <a:t>NetJSON</a:t>
+            </a:r>
+            <a:r>
+              <a:rPr lang="ja-JP" altLang="en-US"/>
+              <a:t>を用いて</a:t>
+            </a:r>
+            <a:r>
+              <a:rPr lang="en-US" altLang="ja-JP" dirty="0"/>
+              <a:t> </a:t>
+            </a:r>
+            <a:r>
+              <a:rPr lang="ja-JP" altLang="en-US"/>
+              <a:t>魚本、大須賀、中村</a:t>
+            </a:r>
+            <a:r>
+              <a:rPr lang="en-US" altLang="ja-JP" dirty="0"/>
+              <a:t>(2018)</a:t>
+            </a:r>
+            <a:r>
+              <a:rPr lang="ja-JP" altLang="en-US"/>
+              <a:t>らの再現</a:t>
+            </a:r>
+            <a:endParaRPr lang="en-US" altLang="ja-JP" dirty="0"/>
+          </a:p>
+          <a:p>
+            <a:pPr marL="457200" lvl="1" indent="0">
+              <a:buNone/>
+            </a:pPr>
+            <a:endParaRPr lang="en-US" altLang="ja-JP" dirty="0"/>
+          </a:p>
+          <a:p>
+            <a:pPr marL="457200" lvl="1" indent="0">
+              <a:buNone/>
+            </a:pPr>
+            <a:endParaRPr lang="en-US" altLang="ja-JP" dirty="0"/>
+          </a:p>
+          <a:p>
+            <a:r>
+              <a:rPr lang="en-US" altLang="ja-JP" dirty="0"/>
+              <a:t>LTI</a:t>
+            </a:r>
+            <a:r>
+              <a:rPr lang="ja-JP" altLang="en-US"/>
+              <a:t>に準拠する部分</a:t>
+            </a:r>
+            <a:endParaRPr lang="en-US" altLang="ja-JP" dirty="0"/>
+          </a:p>
+          <a:p>
+            <a:pPr lvl="1"/>
+            <a:r>
+              <a:rPr lang="en-US" altLang="ja-JP" dirty="0"/>
+              <a:t>LMS</a:t>
+            </a:r>
+            <a:r>
+              <a:rPr lang="ja-JP" altLang="en-US"/>
+              <a:t>とシミュレータをつなぎ、データの受け渡しなどをする</a:t>
+            </a:r>
+            <a:endParaRPr lang="en-US" altLang="ja-JP" dirty="0"/>
+          </a:p>
+        </p:txBody>
+      </p:sp>
+      <p:sp>
+        <p:nvSpPr>
+          <p:cNvPr id="4" name="スライド番号プレースホルダー 3">
+            <a:extLst>
+              <a:ext uri="{FF2B5EF4-FFF2-40B4-BE49-F238E27FC236}">
+                <a16:creationId xmlns:a16="http://schemas.microsoft.com/office/drawing/2014/main" id="{8D1BCB68-2D5E-7245-B2DE-27C7F9E40697}"/>
+              </a:ext>
+            </a:extLst>
+          </p:cNvPr>
+          <p:cNvSpPr>
+            <a:spLocks noGrp="1"/>
+          </p:cNvSpPr>
+          <p:nvPr>
+            <p:ph type="sldNum" sz="quarter" idx="12"/>
+          </p:nvPr>
+        </p:nvSpPr>
+        <p:spPr/>
+        <p:txBody>
+          <a:bodyPr/>
+          <a:lstStyle/>
+          <a:p>
+            <a:pPr algn="ctr"/>
+            <a:fld id="{CA23F248-F353-4F36-A746-B1953A38AE2D}" type="slidenum">
+              <a:rPr lang="ja-JP" altLang="en-US" smtClean="0"/>
+              <a:pPr algn="ctr"/>
+              <a:t>3</a:t>
+            </a:fld>
+            <a:endParaRPr lang="ja-JP" altLang="en-US" dirty="0"/>
+          </a:p>
+        </p:txBody>
+      </p:sp>
+      <p:sp>
+        <p:nvSpPr>
+          <p:cNvPr id="5" name="テキスト ボックス 4">
+            <a:extLst>
+              <a:ext uri="{FF2B5EF4-FFF2-40B4-BE49-F238E27FC236}">
+                <a16:creationId xmlns:a16="http://schemas.microsoft.com/office/drawing/2014/main" id="{7D8462C0-2813-BE46-A22C-1920F4D89C39}"/>
+              </a:ext>
+            </a:extLst>
+          </p:cNvPr>
+          <p:cNvSpPr txBox="1"/>
+          <p:nvPr/>
+        </p:nvSpPr>
+        <p:spPr>
+          <a:xfrm>
+            <a:off x="1643063" y="4257675"/>
+            <a:ext cx="184731" cy="369332"/>
+          </a:xfrm>
+          <a:prstGeom prst="rect">
+            <a:avLst/>
+          </a:prstGeom>
+          <a:noFill/>
+        </p:spPr>
+        <p:txBody>
+          <a:bodyPr wrap="none" rtlCol="0">
+            <a:spAutoFit/>
+          </a:bodyPr>
+          <a:lstStyle/>
+          <a:p>
+            <a:endParaRPr kumimoji="1" lang="ja-JP" altLang="en-US"/>
+          </a:p>
+        </p:txBody>
+      </p:sp>
+    </p:spTree>
+    <p:extLst>
+      <p:ext uri="{BB962C8B-B14F-4D97-AF65-F5344CB8AC3E}">
+        <p14:creationId xmlns:p14="http://schemas.microsoft.com/office/powerpoint/2010/main" val="554833021"/>
+      </p:ext>
+    </p:extLst>
+  </p:cSld>
+  <p:clrMapOvr>
+    <a:masterClrMapping/>
+  </p:clrMapOvr>
+</p:sld>
+</file>
+
+<file path=ppt/slides/slide4.xml><?xml version="1.0" encoding="utf-8"?>
+<p:sld xmlns:a="http://schemas.openxmlformats.org/drawingml/2006/main" xmlns:r="http://schemas.openxmlformats.org/officeDocument/2006/relationships" xmlns:p="http://schemas.openxmlformats.org/presentationml/2006/main">
+  <p:cSld>
+    <p:spTree>
+      <p:nvGrpSpPr>
+        <p:cNvPr id="1" name=""/>
+        <p:cNvGrpSpPr/>
+        <p:nvPr/>
+      </p:nvGrpSpPr>
+      <p:grpSpPr>
+        <a:xfrm>
+          <a:off x="0" y="0"/>
+          <a:ext cx="0" cy="0"/>
+          <a:chOff x="0" y="0"/>
+          <a:chExt cx="0" cy="0"/>
+        </a:xfrm>
+      </p:grpSpPr>
+      <p:sp>
+        <p:nvSpPr>
+          <p:cNvPr id="2" name="タイトル 1">
+            <a:extLst>
+              <a:ext uri="{FF2B5EF4-FFF2-40B4-BE49-F238E27FC236}">
                 <a16:creationId xmlns:a16="http://schemas.microsoft.com/office/drawing/2014/main" id="{A008AB11-E6F1-3648-999A-A0D52BDF5F4C}"/>
               </a:ext>
             </a:extLst>
@@ -4290,9 +4476,9 @@
           <a:bodyPr/>
           <a:lstStyle/>
           <a:p>
-            <a:endParaRPr kumimoji="1" lang="en-US" altLang="ja-JP" dirty="0"/>
-          </a:p>
-          <a:p>
+            <a:pPr marL="0" indent="0">
+              <a:buNone/>
+            </a:pPr>
             <a:endParaRPr kumimoji="1" lang="en-US" altLang="ja-JP" dirty="0"/>
           </a:p>
           <a:p>
@@ -4310,20 +4496,28 @@
             </a:r>
             <a:r>
               <a:rPr lang="ja-JP" altLang="en-US"/>
-              <a:t>の導入</a:t>
+              <a:t>を</a:t>
+            </a:r>
+            <a:r>
+              <a:rPr lang="en-US" altLang="ja-JP" dirty="0"/>
+              <a:t>Rails</a:t>
+            </a:r>
+            <a:r>
+              <a:rPr lang="ja-JP" altLang="en-US"/>
+              <a:t>に導入し、</a:t>
+            </a:r>
+            <a:r>
+              <a:rPr lang="en-US" altLang="ja-JP" dirty="0"/>
+              <a:t>Web</a:t>
+            </a:r>
+            <a:r>
+              <a:rPr lang="ja-JP" altLang="en-US"/>
+              <a:t>ページの動的な変化を実装</a:t>
             </a:r>
             <a:endParaRPr lang="en-US" altLang="ja-JP" dirty="0"/>
           </a:p>
           <a:p>
             <a:pPr lvl="1"/>
-            <a:r>
-              <a:rPr lang="en-US" altLang="ja-JP" dirty="0"/>
-              <a:t>jQuery</a:t>
-            </a:r>
-            <a:r>
-              <a:rPr lang="ja-JP" altLang="en-US"/>
-              <a:t>のプラグインの導入</a:t>
-            </a:r>
             <a:r>
               <a:rPr lang="en-US" altLang="ja-JP" dirty="0"/>
               <a:t> </a:t>
@@ -4374,7 +4568,7 @@
             <a:fld id="{CA23F248-F353-4F36-A746-B1953A38AE2D}" type="slidenum">
               <a:rPr lang="ja-JP" altLang="en-US" smtClean="0"/>
               <a:pPr algn="ctr"/>
-              <a:t>3</a:t>
+              <a:t>4</a:t>
             </a:fld>
             <a:endParaRPr lang="ja-JP" altLang="en-US" dirty="0"/>
           </a:p>

--- a/0920進捗.pptx
+++ b/0920進捗.pptx
@@ -4132,6 +4132,42 @@
             <a:pPr marL="514350" indent="-514350">
               <a:buAutoNum type="arabicPeriod"/>
             </a:pPr>
+            <a:r>
+              <a:rPr lang="ja-JP" altLang="en-US"/>
+              <a:t>シミュレータについて</a:t>
+            </a:r>
+            <a:endParaRPr lang="en-US" altLang="ja-JP" dirty="0"/>
+          </a:p>
+          <a:p>
+            <a:pPr marL="514350" indent="-514350">
+              <a:buAutoNum type="arabicPeriod"/>
+            </a:pPr>
+            <a:endParaRPr lang="en-US" altLang="ja-JP" dirty="0"/>
+          </a:p>
+          <a:p>
+            <a:pPr marL="514350" indent="-514350">
+              <a:buAutoNum type="arabicPeriod"/>
+            </a:pPr>
+            <a:r>
+              <a:rPr lang="en-US" altLang="ja-JP" dirty="0"/>
+              <a:t>LTI</a:t>
+            </a:r>
+            <a:r>
+              <a:rPr lang="ja-JP" altLang="en-US"/>
+              <a:t>部分</a:t>
+            </a:r>
+            <a:endParaRPr lang="en-US" altLang="ja-JP" dirty="0"/>
+          </a:p>
+          <a:p>
+            <a:pPr marL="514350" indent="-514350">
+              <a:buAutoNum type="arabicPeriod"/>
+            </a:pPr>
+            <a:endParaRPr lang="en-US" altLang="ja-JP" dirty="0"/>
+          </a:p>
+          <a:p>
+            <a:pPr marL="514350" indent="-514350">
+              <a:buAutoNum type="arabicPeriod"/>
+            </a:pPr>
             <a:endParaRPr lang="en-US" altLang="ja-JP" dirty="0"/>
           </a:p>
         </p:txBody>
@@ -4520,8 +4556,21 @@
             <a:pPr lvl="1"/>
             <a:r>
               <a:rPr lang="en-US" altLang="ja-JP" dirty="0"/>
-              <a:t> </a:t>
-            </a:r>
+              <a:t> jQuery</a:t>
+            </a:r>
+            <a:r>
+              <a:rPr lang="ja-JP" altLang="en-US"/>
+              <a:t>のプラグインの導入を試みるも</a:t>
+            </a:r>
+            <a:r>
+              <a:rPr lang="en-US" altLang="ja-JP" dirty="0"/>
+              <a:t>Rails</a:t>
+            </a:r>
+            <a:r>
+              <a:rPr lang="ja-JP" altLang="en-US"/>
+              <a:t>への理解が足りずに未実装</a:t>
+            </a:r>
+            <a:endParaRPr lang="en-US" altLang="ja-JP" dirty="0"/>
           </a:p>
           <a:p>
             <a:pPr lvl="1"/>

--- a/0920進捗.pptx
+++ b/0920進捗.pptx
@@ -5,13 +5,16 @@
     <p:sldMasterId id="2147483648" r:id="rId1"/>
   </p:sldMasterIdLst>
   <p:notesMasterIdLst>
-    <p:notesMasterId r:id="rId6"/>
+    <p:notesMasterId r:id="rId9"/>
   </p:notesMasterIdLst>
   <p:sldIdLst>
     <p:sldId id="256" r:id="rId2"/>
     <p:sldId id="259" r:id="rId3"/>
     <p:sldId id="257" r:id="rId4"/>
     <p:sldId id="258" r:id="rId5"/>
+    <p:sldId id="260" r:id="rId6"/>
+    <p:sldId id="261" r:id="rId7"/>
+    <p:sldId id="262" r:id="rId8"/>
   </p:sldIdLst>
   <p:sldSz cx="9144000" cy="6858000" type="screen4x3"/>
   <p:notesSz cx="6858000" cy="9144000"/>
@@ -119,6 +122,9 @@
             <p14:sldId id="259"/>
             <p14:sldId id="257"/>
             <p14:sldId id="258"/>
+            <p14:sldId id="260"/>
+            <p14:sldId id="261"/>
+            <p14:sldId id="262"/>
           </p14:sldIdLst>
         </p14:section>
       </p14:sectionLst>
@@ -4069,7 +4075,7 @@
           <p:cNvPr id="2" name="タイトル 1">
             <a:extLst>
               <a:ext uri="{FF2B5EF4-FFF2-40B4-BE49-F238E27FC236}">
-                <a16:creationId xmlns:a16="http://schemas.microsoft.com/office/drawing/2014/main" id="{25D8077F-EA2B-DF41-AE25-7F2DEA5803DB}"/>
+                <a16:creationId xmlns:a16="http://schemas.microsoft.com/office/drawing/2014/main" xmlns="" id="{25D8077F-EA2B-DF41-AE25-7F2DEA5803DB}"/>
               </a:ext>
             </a:extLst>
           </p:cNvPr>
@@ -4097,7 +4103,7 @@
           <p:cNvPr id="3" name="コンテンツ プレースホルダー 2">
             <a:extLst>
               <a:ext uri="{FF2B5EF4-FFF2-40B4-BE49-F238E27FC236}">
-                <a16:creationId xmlns:a16="http://schemas.microsoft.com/office/drawing/2014/main" id="{3BEA0572-412C-5C4E-A9AD-0906DB335050}"/>
+                <a16:creationId xmlns:a16="http://schemas.microsoft.com/office/drawing/2014/main" xmlns="" id="{3BEA0572-412C-5C4E-A9AD-0906DB335050}"/>
               </a:ext>
             </a:extLst>
           </p:cNvPr>
@@ -4177,7 +4183,7 @@
           <p:cNvPr id="4" name="スライド番号プレースホルダー 3">
             <a:extLst>
               <a:ext uri="{FF2B5EF4-FFF2-40B4-BE49-F238E27FC236}">
-                <a16:creationId xmlns:a16="http://schemas.microsoft.com/office/drawing/2014/main" id="{C61CA0C6-2B31-F54E-B347-538521F8C6D4}"/>
+                <a16:creationId xmlns:a16="http://schemas.microsoft.com/office/drawing/2014/main" xmlns="" id="{C61CA0C6-2B31-F54E-B347-538521F8C6D4}"/>
               </a:ext>
             </a:extLst>
           </p:cNvPr>
@@ -4238,7 +4244,7 @@
           <p:cNvPr id="2" name="タイトル 1">
             <a:extLst>
               <a:ext uri="{FF2B5EF4-FFF2-40B4-BE49-F238E27FC236}">
-                <a16:creationId xmlns:a16="http://schemas.microsoft.com/office/drawing/2014/main" id="{D7FAFFD0-F339-FF4B-AE47-9E2A23889415}"/>
+                <a16:creationId xmlns:a16="http://schemas.microsoft.com/office/drawing/2014/main" xmlns="" id="{D7FAFFD0-F339-FF4B-AE47-9E2A23889415}"/>
               </a:ext>
             </a:extLst>
           </p:cNvPr>
@@ -4267,7 +4273,7 @@
           <p:cNvPr id="3" name="コンテンツ プレースホルダー 2">
             <a:extLst>
               <a:ext uri="{FF2B5EF4-FFF2-40B4-BE49-F238E27FC236}">
-                <a16:creationId xmlns:a16="http://schemas.microsoft.com/office/drawing/2014/main" id="{7A16E817-6658-B245-9664-B68665EBCB6C}"/>
+                <a16:creationId xmlns:a16="http://schemas.microsoft.com/office/drawing/2014/main" xmlns="" id="{7A16E817-6658-B245-9664-B68665EBCB6C}"/>
               </a:ext>
             </a:extLst>
           </p:cNvPr>
@@ -4375,7 +4381,7 @@
           <p:cNvPr id="4" name="スライド番号プレースホルダー 3">
             <a:extLst>
               <a:ext uri="{FF2B5EF4-FFF2-40B4-BE49-F238E27FC236}">
-                <a16:creationId xmlns:a16="http://schemas.microsoft.com/office/drawing/2014/main" id="{8D1BCB68-2D5E-7245-B2DE-27C7F9E40697}"/>
+                <a16:creationId xmlns:a16="http://schemas.microsoft.com/office/drawing/2014/main" xmlns="" id="{8D1BCB68-2D5E-7245-B2DE-27C7F9E40697}"/>
               </a:ext>
             </a:extLst>
           </p:cNvPr>
@@ -4406,7 +4412,7 @@
           <p:cNvPr id="5" name="テキスト ボックス 4">
             <a:extLst>
               <a:ext uri="{FF2B5EF4-FFF2-40B4-BE49-F238E27FC236}">
-                <a16:creationId xmlns:a16="http://schemas.microsoft.com/office/drawing/2014/main" id="{7D8462C0-2813-BE46-A22C-1920F4D89C39}"/>
+                <a16:creationId xmlns:a16="http://schemas.microsoft.com/office/drawing/2014/main" xmlns="" id="{7D8462C0-2813-BE46-A22C-1920F4D89C39}"/>
               </a:ext>
             </a:extLst>
           </p:cNvPr>
@@ -4468,7 +4474,7 @@
           <p:cNvPr id="2" name="タイトル 1">
             <a:extLst>
               <a:ext uri="{FF2B5EF4-FFF2-40B4-BE49-F238E27FC236}">
-                <a16:creationId xmlns:a16="http://schemas.microsoft.com/office/drawing/2014/main" id="{A008AB11-E6F1-3648-999A-A0D52BDF5F4C}"/>
+                <a16:creationId xmlns:a16="http://schemas.microsoft.com/office/drawing/2014/main" xmlns="" id="{A008AB11-E6F1-3648-999A-A0D52BDF5F4C}"/>
               </a:ext>
             </a:extLst>
           </p:cNvPr>
@@ -4496,7 +4502,7 @@
           <p:cNvPr id="3" name="コンテンツ プレースホルダー 2">
             <a:extLst>
               <a:ext uri="{FF2B5EF4-FFF2-40B4-BE49-F238E27FC236}">
-                <a16:creationId xmlns:a16="http://schemas.microsoft.com/office/drawing/2014/main" id="{FD70AAB0-179D-BD4D-8F92-F4D8688F10A1}"/>
+                <a16:creationId xmlns:a16="http://schemas.microsoft.com/office/drawing/2014/main" xmlns="" id="{FD70AAB0-179D-BD4D-8F92-F4D8688F10A1}"/>
               </a:ext>
             </a:extLst>
           </p:cNvPr>
@@ -4597,7 +4603,7 @@
           <p:cNvPr id="4" name="スライド番号プレースホルダー 3">
             <a:extLst>
               <a:ext uri="{FF2B5EF4-FFF2-40B4-BE49-F238E27FC236}">
-                <a16:creationId xmlns:a16="http://schemas.microsoft.com/office/drawing/2014/main" id="{162164CB-CE97-F748-B4ED-8E8A63EFF710}"/>
+                <a16:creationId xmlns:a16="http://schemas.microsoft.com/office/drawing/2014/main" xmlns="" id="{162164CB-CE97-F748-B4ED-8E8A63EFF710}"/>
               </a:ext>
             </a:extLst>
           </p:cNvPr>
@@ -4627,6 +4633,419 @@
     <p:extLst>
       <p:ext uri="{BB962C8B-B14F-4D97-AF65-F5344CB8AC3E}">
         <p14:creationId xmlns:p14="http://schemas.microsoft.com/office/powerpoint/2010/main" val="2592068741"/>
+      </p:ext>
+    </p:extLst>
+  </p:cSld>
+  <p:clrMapOvr>
+    <a:masterClrMapping/>
+  </p:clrMapOvr>
+</p:sld>
+</file>
+
+<file path=ppt/slides/slide5.xml><?xml version="1.0" encoding="utf-8"?>
+<p:sld xmlns:a="http://schemas.openxmlformats.org/drawingml/2006/main" xmlns:r="http://schemas.openxmlformats.org/officeDocument/2006/relationships" xmlns:p="http://schemas.openxmlformats.org/presentationml/2006/main">
+  <p:cSld>
+    <p:spTree>
+      <p:nvGrpSpPr>
+        <p:cNvPr id="1" name=""/>
+        <p:cNvGrpSpPr/>
+        <p:nvPr/>
+      </p:nvGrpSpPr>
+      <p:grpSpPr>
+        <a:xfrm>
+          <a:off x="0" y="0"/>
+          <a:ext cx="0" cy="0"/>
+          <a:chOff x="0" y="0"/>
+          <a:chExt cx="0" cy="0"/>
+        </a:xfrm>
+      </p:grpSpPr>
+      <p:sp>
+        <p:nvSpPr>
+          <p:cNvPr id="2" name="タイトル 1"/>
+          <p:cNvSpPr>
+            <a:spLocks noGrp="1"/>
+          </p:cNvSpPr>
+          <p:nvPr>
+            <p:ph type="title"/>
+          </p:nvPr>
+        </p:nvSpPr>
+        <p:spPr/>
+        <p:txBody>
+          <a:bodyPr/>
+          <a:lstStyle/>
+          <a:p>
+            <a:r>
+              <a:rPr lang="en-US" altLang="ja-JP" dirty="0"/>
+              <a:t>OAuth1.0</a:t>
+            </a:r>
+            <a:r>
+              <a:rPr lang="ja-JP" altLang="en-US" dirty="0"/>
+              <a:t>の実装</a:t>
+            </a:r>
+            <a:endParaRPr kumimoji="1" lang="ja-JP" altLang="en-US" dirty="0"/>
+          </a:p>
+        </p:txBody>
+      </p:sp>
+      <p:sp>
+        <p:nvSpPr>
+          <p:cNvPr id="3" name="コンテンツ プレースホルダー 2"/>
+          <p:cNvSpPr>
+            <a:spLocks noGrp="1"/>
+          </p:cNvSpPr>
+          <p:nvPr>
+            <p:ph idx="1"/>
+          </p:nvPr>
+        </p:nvSpPr>
+        <p:spPr/>
+        <p:txBody>
+          <a:bodyPr/>
+          <a:lstStyle/>
+          <a:p>
+            <a:r>
+              <a:rPr lang="en-US" altLang="ja-JP" dirty="0" err="1"/>
+              <a:t>Oauth</a:t>
+            </a:r>
+            <a:r>
+              <a:rPr lang="en-US" altLang="ja-JP" dirty="0"/>
+              <a:t> Provider</a:t>
+            </a:r>
+            <a:r>
+              <a:rPr lang="ja-JP" altLang="en-US" dirty="0"/>
+              <a:t>としての環境構築</a:t>
+            </a:r>
+            <a:r>
+              <a:rPr lang="en-US" altLang="ja-JP" dirty="0"/>
+              <a:t/>
+            </a:r>
+            <a:br>
+              <a:rPr lang="en-US" altLang="ja-JP" dirty="0"/>
+            </a:br>
+            <a:r>
+              <a:rPr lang="ja-JP" altLang="en-US" dirty="0"/>
+              <a:t>ー署名の作成</a:t>
+            </a:r>
+            <a:endParaRPr lang="en-US" altLang="ja-JP" dirty="0"/>
+          </a:p>
+          <a:p>
+            <a:endParaRPr kumimoji="1" lang="ja-JP" altLang="en-US" dirty="0"/>
+          </a:p>
+        </p:txBody>
+      </p:sp>
+      <p:sp>
+        <p:nvSpPr>
+          <p:cNvPr id="4" name="スライド番号プレースホルダー 3"/>
+          <p:cNvSpPr>
+            <a:spLocks noGrp="1"/>
+          </p:cNvSpPr>
+          <p:nvPr>
+            <p:ph type="sldNum" sz="quarter" idx="12"/>
+          </p:nvPr>
+        </p:nvSpPr>
+        <p:spPr/>
+        <p:txBody>
+          <a:bodyPr/>
+          <a:lstStyle/>
+          <a:p>
+            <a:pPr algn="ctr"/>
+            <a:fld id="{CA23F248-F353-4F36-A746-B1953A38AE2D}" type="slidenum">
+              <a:rPr lang="ja-JP" altLang="en-US" smtClean="0"/>
+              <a:pPr algn="ctr"/>
+              <a:t>5</a:t>
+            </a:fld>
+            <a:endParaRPr lang="ja-JP" altLang="en-US" dirty="0"/>
+          </a:p>
+        </p:txBody>
+      </p:sp>
+    </p:spTree>
+    <p:extLst>
+      <p:ext uri="{BB962C8B-B14F-4D97-AF65-F5344CB8AC3E}">
+        <p14:creationId xmlns:p14="http://schemas.microsoft.com/office/powerpoint/2010/main" val="386405882"/>
+      </p:ext>
+    </p:extLst>
+  </p:cSld>
+  <p:clrMapOvr>
+    <a:masterClrMapping/>
+  </p:clrMapOvr>
+</p:sld>
+</file>
+
+<file path=ppt/slides/slide6.xml><?xml version="1.0" encoding="utf-8"?>
+<p:sld xmlns:a="http://schemas.openxmlformats.org/drawingml/2006/main" xmlns:r="http://schemas.openxmlformats.org/officeDocument/2006/relationships" xmlns:p="http://schemas.openxmlformats.org/presentationml/2006/main">
+  <p:cSld>
+    <p:spTree>
+      <p:nvGrpSpPr>
+        <p:cNvPr id="1" name=""/>
+        <p:cNvGrpSpPr/>
+        <p:nvPr/>
+      </p:nvGrpSpPr>
+      <p:grpSpPr>
+        <a:xfrm>
+          <a:off x="0" y="0"/>
+          <a:ext cx="0" cy="0"/>
+          <a:chOff x="0" y="0"/>
+          <a:chExt cx="0" cy="0"/>
+        </a:xfrm>
+      </p:grpSpPr>
+      <p:sp>
+        <p:nvSpPr>
+          <p:cNvPr id="2" name="タイトル 1"/>
+          <p:cNvSpPr>
+            <a:spLocks noGrp="1"/>
+          </p:cNvSpPr>
+          <p:nvPr>
+            <p:ph type="title"/>
+          </p:nvPr>
+        </p:nvSpPr>
+        <p:spPr/>
+        <p:txBody>
+          <a:bodyPr/>
+          <a:lstStyle/>
+          <a:p>
+            <a:r>
+              <a:rPr lang="en-US" altLang="ja-JP" dirty="0"/>
+              <a:t>OAuth1.0</a:t>
+            </a:r>
+            <a:r>
+              <a:rPr lang="ja-JP" altLang="en-US" dirty="0"/>
+              <a:t>の署名作成方法</a:t>
+            </a:r>
+            <a:endParaRPr kumimoji="1" lang="ja-JP" altLang="en-US" dirty="0"/>
+          </a:p>
+        </p:txBody>
+      </p:sp>
+      <p:sp>
+        <p:nvSpPr>
+          <p:cNvPr id="3" name="コンテンツ プレースホルダー 2"/>
+          <p:cNvSpPr>
+            <a:spLocks noGrp="1"/>
+          </p:cNvSpPr>
+          <p:nvPr>
+            <p:ph idx="1"/>
+          </p:nvPr>
+        </p:nvSpPr>
+        <p:spPr/>
+        <p:txBody>
+          <a:bodyPr/>
+          <a:lstStyle/>
+          <a:p>
+            <a:pPr lvl="0"/>
+            <a:r>
+              <a:rPr lang="en-US" altLang="ja-JP" dirty="0"/>
+              <a:t>STEP1 </a:t>
+            </a:r>
+            <a:r>
+              <a:rPr lang="ja-JP" altLang="en-US" dirty="0"/>
+              <a:t>「キー」を作成する。</a:t>
+            </a:r>
+            <a:endParaRPr lang="en-US" altLang="ja-JP" dirty="0"/>
+          </a:p>
+          <a:p>
+            <a:r>
+              <a:rPr lang="en-US" altLang="ja-JP" dirty="0"/>
+              <a:t>STEP2 </a:t>
+            </a:r>
+            <a:r>
+              <a:rPr lang="ja-JP" altLang="en-US" dirty="0"/>
+              <a:t>「データ」を作成する</a:t>
+            </a:r>
+            <a:r>
+              <a:rPr lang="ja-JP" altLang="en-US" dirty="0" smtClean="0"/>
+              <a:t>。</a:t>
+            </a:r>
+            <a:endParaRPr lang="en-US" altLang="ja-JP" dirty="0" smtClean="0"/>
+          </a:p>
+          <a:p>
+            <a:pPr lvl="0"/>
+            <a:r>
+              <a:rPr lang="en-US" altLang="ja-JP" dirty="0"/>
+              <a:t>STEP3 </a:t>
+            </a:r>
+            <a:r>
+              <a:rPr lang="ja-JP" altLang="en-US" dirty="0"/>
+              <a:t>作った「キー」と「データ」を、</a:t>
+            </a:r>
+            <a:r>
+              <a:rPr lang="en-US" altLang="ja-JP" dirty="0"/>
+              <a:t>HMAC-SHA1</a:t>
+            </a:r>
+            <a:r>
+              <a:rPr lang="ja-JP" altLang="en-US" dirty="0"/>
+              <a:t>という変換方法で署名に変換する。</a:t>
+            </a:r>
+            <a:endParaRPr lang="en-US" altLang="ja-JP" dirty="0"/>
+          </a:p>
+          <a:p>
+            <a:r>
+              <a:rPr lang="en-US" altLang="ja-JP" dirty="0"/>
+              <a:t/>
+            </a:r>
+            <a:br>
+              <a:rPr lang="en-US" altLang="ja-JP" dirty="0"/>
+            </a:br>
+            <a:endParaRPr kumimoji="1" lang="en-US" altLang="ja-JP" dirty="0" smtClean="0"/>
+          </a:p>
+        </p:txBody>
+      </p:sp>
+      <p:sp>
+        <p:nvSpPr>
+          <p:cNvPr id="4" name="スライド番号プレースホルダー 3"/>
+          <p:cNvSpPr>
+            <a:spLocks noGrp="1"/>
+          </p:cNvSpPr>
+          <p:nvPr>
+            <p:ph type="sldNum" sz="quarter" idx="12"/>
+          </p:nvPr>
+        </p:nvSpPr>
+        <p:spPr/>
+        <p:txBody>
+          <a:bodyPr/>
+          <a:lstStyle/>
+          <a:p>
+            <a:pPr algn="ctr"/>
+            <a:fld id="{CA23F248-F353-4F36-A746-B1953A38AE2D}" type="slidenum">
+              <a:rPr lang="ja-JP" altLang="en-US" smtClean="0"/>
+              <a:pPr algn="ctr"/>
+              <a:t>6</a:t>
+            </a:fld>
+            <a:endParaRPr lang="ja-JP" altLang="en-US" dirty="0"/>
+          </a:p>
+        </p:txBody>
+      </p:sp>
+    </p:spTree>
+    <p:extLst>
+      <p:ext uri="{BB962C8B-B14F-4D97-AF65-F5344CB8AC3E}">
+        <p14:creationId xmlns:p14="http://schemas.microsoft.com/office/powerpoint/2010/main" val="333110246"/>
+      </p:ext>
+    </p:extLst>
+  </p:cSld>
+  <p:clrMapOvr>
+    <a:masterClrMapping/>
+  </p:clrMapOvr>
+</p:sld>
+</file>
+
+<file path=ppt/slides/slide7.xml><?xml version="1.0" encoding="utf-8"?>
+<p:sld xmlns:a="http://schemas.openxmlformats.org/drawingml/2006/main" xmlns:r="http://schemas.openxmlformats.org/officeDocument/2006/relationships" xmlns:p="http://schemas.openxmlformats.org/presentationml/2006/main">
+  <p:cSld>
+    <p:spTree>
+      <p:nvGrpSpPr>
+        <p:cNvPr id="1" name=""/>
+        <p:cNvGrpSpPr/>
+        <p:nvPr/>
+      </p:nvGrpSpPr>
+      <p:grpSpPr>
+        <a:xfrm>
+          <a:off x="0" y="0"/>
+          <a:ext cx="0" cy="0"/>
+          <a:chOff x="0" y="0"/>
+          <a:chExt cx="0" cy="0"/>
+        </a:xfrm>
+      </p:grpSpPr>
+      <p:sp>
+        <p:nvSpPr>
+          <p:cNvPr id="2" name="タイトル 1"/>
+          <p:cNvSpPr>
+            <a:spLocks noGrp="1"/>
+          </p:cNvSpPr>
+          <p:nvPr>
+            <p:ph type="title"/>
+          </p:nvPr>
+        </p:nvSpPr>
+        <p:spPr/>
+        <p:txBody>
+          <a:bodyPr/>
+          <a:lstStyle/>
+          <a:p>
+            <a:r>
+              <a:rPr lang="en-US" altLang="ja-JP" dirty="0"/>
+              <a:t>STEP1 </a:t>
+            </a:r>
+            <a:r>
+              <a:rPr lang="ja-JP" altLang="en-US" dirty="0"/>
+              <a:t>「キー」の作成</a:t>
+            </a:r>
+            <a:endParaRPr kumimoji="1" lang="ja-JP" altLang="en-US" dirty="0"/>
+          </a:p>
+        </p:txBody>
+      </p:sp>
+      <p:sp>
+        <p:nvSpPr>
+          <p:cNvPr id="3" name="コンテンツ プレースホルダー 2"/>
+          <p:cNvSpPr>
+            <a:spLocks noGrp="1"/>
+          </p:cNvSpPr>
+          <p:nvPr>
+            <p:ph idx="1"/>
+          </p:nvPr>
+        </p:nvSpPr>
+        <p:spPr/>
+        <p:txBody>
+          <a:bodyPr/>
+          <a:lstStyle/>
+          <a:p>
+            <a:r>
+              <a:rPr lang="ja-JP" altLang="en-US" dirty="0"/>
+              <a:t>「キー」作成するためには、「</a:t>
+            </a:r>
+            <a:r>
+              <a:rPr lang="en-US" altLang="ja-JP" dirty="0" err="1"/>
+              <a:t>oauth_consumer_secret</a:t>
+            </a:r>
+            <a:r>
+              <a:rPr lang="ja-JP" altLang="en-US" dirty="0"/>
+              <a:t>」と「</a:t>
+            </a:r>
+            <a:r>
+              <a:rPr lang="en-US" altLang="ja-JP" dirty="0" err="1"/>
+              <a:t>oauth_token_secret</a:t>
+            </a:r>
+            <a:r>
+              <a:rPr lang="ja-JP" altLang="en-US" dirty="0"/>
+              <a:t>」の値を</a:t>
+            </a:r>
+            <a:r>
+              <a:rPr lang="en-US" altLang="ja-JP" dirty="0"/>
+              <a:t>URL</a:t>
+            </a:r>
+            <a:r>
+              <a:rPr lang="ja-JP" altLang="en-US" dirty="0"/>
+              <a:t>エンコードし、</a:t>
+            </a:r>
+          </a:p>
+          <a:p>
+            <a:endParaRPr kumimoji="1" lang="ja-JP" altLang="en-US" dirty="0"/>
+          </a:p>
+        </p:txBody>
+      </p:sp>
+      <p:sp>
+        <p:nvSpPr>
+          <p:cNvPr id="4" name="スライド番号プレースホルダー 3"/>
+          <p:cNvSpPr>
+            <a:spLocks noGrp="1"/>
+          </p:cNvSpPr>
+          <p:nvPr>
+            <p:ph type="sldNum" sz="quarter" idx="12"/>
+          </p:nvPr>
+        </p:nvSpPr>
+        <p:spPr/>
+        <p:txBody>
+          <a:bodyPr/>
+          <a:lstStyle/>
+          <a:p>
+            <a:pPr algn="ctr"/>
+            <a:fld id="{CA23F248-F353-4F36-A746-B1953A38AE2D}" type="slidenum">
+              <a:rPr lang="ja-JP" altLang="en-US" smtClean="0"/>
+              <a:pPr algn="ctr"/>
+              <a:t>7</a:t>
+            </a:fld>
+            <a:endParaRPr lang="ja-JP" altLang="en-US" dirty="0"/>
+          </a:p>
+        </p:txBody>
+      </p:sp>
+    </p:spTree>
+    <p:extLst>
+      <p:ext uri="{BB962C8B-B14F-4D97-AF65-F5344CB8AC3E}">
+        <p14:creationId xmlns:p14="http://schemas.microsoft.com/office/powerpoint/2010/main" val="1460682003"/>
       </p:ext>
     </p:extLst>
   </p:cSld>
